--- a/Project/Project/ML Models with additional 3 features/Graphs_Summary.pptx
+++ b/Project/Project/ML Models with additional 3 features/Graphs_Summary.pptx
@@ -112,6 +112,11 @@
       </a:defRPr>
     </a:lvl9pPr>
   </p:defaultTextStyle>
+  <p:extLst>
+    <p:ext uri="{EFAFB233-063F-42B5-8137-9DF3F51BA10A}">
+      <p15:sldGuideLst xmlns:p15="http://schemas.microsoft.com/office/powerpoint/2012/main"/>
+    </p:ext>
+  </p:extLst>
 </p:presentation>
 </file>
 
@@ -264,7 +269,7 @@
           <a:p>
             <a:fld id="{BF0FBEA2-BF8E-4A7B-8416-554A07796269}" type="datetimeFigureOut">
               <a:rPr lang="en-AT" smtClean="0"/>
-              <a:t>21/02/2025</a:t>
+              <a:t>23/02/2025</a:t>
             </a:fld>
             <a:endParaRPr lang="en-AT"/>
           </a:p>
@@ -464,7 +469,7 @@
           <a:p>
             <a:fld id="{BF0FBEA2-BF8E-4A7B-8416-554A07796269}" type="datetimeFigureOut">
               <a:rPr lang="en-AT" smtClean="0"/>
-              <a:t>21/02/2025</a:t>
+              <a:t>23/02/2025</a:t>
             </a:fld>
             <a:endParaRPr lang="en-AT"/>
           </a:p>
@@ -674,7 +679,7 @@
           <a:p>
             <a:fld id="{BF0FBEA2-BF8E-4A7B-8416-554A07796269}" type="datetimeFigureOut">
               <a:rPr lang="en-AT" smtClean="0"/>
-              <a:t>21/02/2025</a:t>
+              <a:t>23/02/2025</a:t>
             </a:fld>
             <a:endParaRPr lang="en-AT"/>
           </a:p>
@@ -874,7 +879,7 @@
           <a:p>
             <a:fld id="{BF0FBEA2-BF8E-4A7B-8416-554A07796269}" type="datetimeFigureOut">
               <a:rPr lang="en-AT" smtClean="0"/>
-              <a:t>21/02/2025</a:t>
+              <a:t>23/02/2025</a:t>
             </a:fld>
             <a:endParaRPr lang="en-AT"/>
           </a:p>
@@ -1150,7 +1155,7 @@
           <a:p>
             <a:fld id="{BF0FBEA2-BF8E-4A7B-8416-554A07796269}" type="datetimeFigureOut">
               <a:rPr lang="en-AT" smtClean="0"/>
-              <a:t>21/02/2025</a:t>
+              <a:t>23/02/2025</a:t>
             </a:fld>
             <a:endParaRPr lang="en-AT"/>
           </a:p>
@@ -1418,7 +1423,7 @@
           <a:p>
             <a:fld id="{BF0FBEA2-BF8E-4A7B-8416-554A07796269}" type="datetimeFigureOut">
               <a:rPr lang="en-AT" smtClean="0"/>
-              <a:t>21/02/2025</a:t>
+              <a:t>23/02/2025</a:t>
             </a:fld>
             <a:endParaRPr lang="en-AT"/>
           </a:p>
@@ -1833,7 +1838,7 @@
           <a:p>
             <a:fld id="{BF0FBEA2-BF8E-4A7B-8416-554A07796269}" type="datetimeFigureOut">
               <a:rPr lang="en-AT" smtClean="0"/>
-              <a:t>21/02/2025</a:t>
+              <a:t>23/02/2025</a:t>
             </a:fld>
             <a:endParaRPr lang="en-AT"/>
           </a:p>
@@ -1975,7 +1980,7 @@
           <a:p>
             <a:fld id="{BF0FBEA2-BF8E-4A7B-8416-554A07796269}" type="datetimeFigureOut">
               <a:rPr lang="en-AT" smtClean="0"/>
-              <a:t>21/02/2025</a:t>
+              <a:t>23/02/2025</a:t>
             </a:fld>
             <a:endParaRPr lang="en-AT"/>
           </a:p>
@@ -2088,7 +2093,7 @@
           <a:p>
             <a:fld id="{BF0FBEA2-BF8E-4A7B-8416-554A07796269}" type="datetimeFigureOut">
               <a:rPr lang="en-AT" smtClean="0"/>
-              <a:t>21/02/2025</a:t>
+              <a:t>23/02/2025</a:t>
             </a:fld>
             <a:endParaRPr lang="en-AT"/>
           </a:p>
@@ -2401,7 +2406,7 @@
           <a:p>
             <a:fld id="{BF0FBEA2-BF8E-4A7B-8416-554A07796269}" type="datetimeFigureOut">
               <a:rPr lang="en-AT" smtClean="0"/>
-              <a:t>21/02/2025</a:t>
+              <a:t>23/02/2025</a:t>
             </a:fld>
             <a:endParaRPr lang="en-AT"/>
           </a:p>
@@ -2690,7 +2695,7 @@
           <a:p>
             <a:fld id="{BF0FBEA2-BF8E-4A7B-8416-554A07796269}" type="datetimeFigureOut">
               <a:rPr lang="en-AT" smtClean="0"/>
-              <a:t>21/02/2025</a:t>
+              <a:t>23/02/2025</a:t>
             </a:fld>
             <a:endParaRPr lang="en-AT"/>
           </a:p>
@@ -2933,7 +2938,7 @@
           <a:p>
             <a:fld id="{BF0FBEA2-BF8E-4A7B-8416-554A07796269}" type="datetimeFigureOut">
               <a:rPr lang="en-AT" smtClean="0"/>
-              <a:t>21/02/2025</a:t>
+              <a:t>23/02/2025</a:t>
             </a:fld>
             <a:endParaRPr lang="en-AT"/>
           </a:p>
@@ -3497,7 +3502,7 @@
         </p:blipFill>
         <p:spPr>
           <a:xfrm>
-            <a:off x="6096000" y="127540"/>
+            <a:off x="6096000" y="119919"/>
             <a:ext cx="6096000" cy="2926334"/>
           </a:xfrm>
           <a:prstGeom prst="rect">
@@ -3535,6 +3540,42 @@
           <a:xfrm>
             <a:off x="0" y="3515787"/>
             <a:ext cx="6614733" cy="2933954"/>
+          </a:xfrm>
+          <a:prstGeom prst="rect">
+            <a:avLst/>
+          </a:prstGeom>
+        </p:spPr>
+      </p:pic>
+      <p:pic>
+        <p:nvPicPr>
+          <p:cNvPr id="3" name="Picture 2">
+            <a:extLst>
+              <a:ext uri="{FF2B5EF4-FFF2-40B4-BE49-F238E27FC236}">
+                <a16:creationId xmlns:a16="http://schemas.microsoft.com/office/drawing/2014/main" id="{3A2E3EB4-2B97-4EBB-991C-83FD8B119998}"/>
+              </a:ext>
+            </a:extLst>
+          </p:cNvPr>
+          <p:cNvPicPr>
+            <a:picLocks noChangeAspect="1"/>
+          </p:cNvPicPr>
+          <p:nvPr/>
+        </p:nvPicPr>
+        <p:blipFill>
+          <a:blip r:embed="rId5">
+            <a:extLst>
+              <a:ext uri="{28A0092B-C50C-407E-A947-70E740481C1C}">
+                <a14:useLocalDpi xmlns:a14="http://schemas.microsoft.com/office/drawing/2010/main" val="0"/>
+              </a:ext>
+            </a:extLst>
+          </a:blip>
+          <a:stretch>
+            <a:fillRect/>
+          </a:stretch>
+        </p:blipFill>
+        <p:spPr>
+          <a:xfrm>
+            <a:off x="6794011" y="3429000"/>
+            <a:ext cx="5397989" cy="2926334"/>
           </a:xfrm>
           <a:prstGeom prst="rect">
             <a:avLst/>
@@ -3678,6 +3719,42 @@
           </a:prstGeom>
         </p:spPr>
       </p:pic>
+      <p:pic>
+        <p:nvPicPr>
+          <p:cNvPr id="3" name="Picture 2">
+            <a:extLst>
+              <a:ext uri="{FF2B5EF4-FFF2-40B4-BE49-F238E27FC236}">
+                <a16:creationId xmlns:a16="http://schemas.microsoft.com/office/drawing/2014/main" id="{0A59898D-B652-4469-898C-1D6C69A3389B}"/>
+              </a:ext>
+            </a:extLst>
+          </p:cNvPr>
+          <p:cNvPicPr>
+            <a:picLocks noChangeAspect="1"/>
+          </p:cNvPicPr>
+          <p:nvPr/>
+        </p:nvPicPr>
+        <p:blipFill>
+          <a:blip r:embed="rId5">
+            <a:extLst>
+              <a:ext uri="{28A0092B-C50C-407E-A947-70E740481C1C}">
+                <a14:useLocalDpi xmlns:a14="http://schemas.microsoft.com/office/drawing/2010/main" val="0"/>
+              </a:ext>
+            </a:extLst>
+          </a:blip>
+          <a:stretch>
+            <a:fillRect/>
+          </a:stretch>
+        </p:blipFill>
+        <p:spPr>
+          <a:xfrm>
+            <a:off x="6294665" y="3520229"/>
+            <a:ext cx="5897335" cy="2941575"/>
+          </a:xfrm>
+          <a:prstGeom prst="rect">
+            <a:avLst/>
+          </a:prstGeom>
+        </p:spPr>
+      </p:pic>
     </p:spTree>
     <p:extLst>
       <p:ext uri="{BB962C8B-B14F-4D97-AF65-F5344CB8AC3E}">
@@ -3809,6 +3886,42 @@
           <a:xfrm>
             <a:off x="77075" y="203699"/>
             <a:ext cx="6210838" cy="2956816"/>
+          </a:xfrm>
+          <a:prstGeom prst="rect">
+            <a:avLst/>
+          </a:prstGeom>
+        </p:spPr>
+      </p:pic>
+      <p:pic>
+        <p:nvPicPr>
+          <p:cNvPr id="3" name="Picture 2">
+            <a:extLst>
+              <a:ext uri="{FF2B5EF4-FFF2-40B4-BE49-F238E27FC236}">
+                <a16:creationId xmlns:a16="http://schemas.microsoft.com/office/drawing/2014/main" id="{0996EA19-01F1-4DC6-8B19-58D456616787}"/>
+              </a:ext>
+            </a:extLst>
+          </p:cNvPr>
+          <p:cNvPicPr>
+            <a:picLocks noChangeAspect="1"/>
+          </p:cNvPicPr>
+          <p:nvPr/>
+        </p:nvPicPr>
+        <p:blipFill>
+          <a:blip r:embed="rId5">
+            <a:extLst>
+              <a:ext uri="{28A0092B-C50C-407E-A947-70E740481C1C}">
+                <a14:useLocalDpi xmlns:a14="http://schemas.microsoft.com/office/drawing/2010/main" val="0"/>
+              </a:ext>
+            </a:extLst>
+          </a:blip>
+          <a:stretch>
+            <a:fillRect/>
+          </a:stretch>
+        </p:blipFill>
+        <p:spPr>
+          <a:xfrm>
+            <a:off x="6287913" y="3809481"/>
+            <a:ext cx="5827012" cy="2972058"/>
           </a:xfrm>
           <a:prstGeom prst="rect">
             <a:avLst/>
@@ -3952,6 +4065,42 @@
           </a:prstGeom>
         </p:spPr>
       </p:pic>
+      <p:pic>
+        <p:nvPicPr>
+          <p:cNvPr id="3" name="Picture 2">
+            <a:extLst>
+              <a:ext uri="{FF2B5EF4-FFF2-40B4-BE49-F238E27FC236}">
+                <a16:creationId xmlns:a16="http://schemas.microsoft.com/office/drawing/2014/main" id="{A8A2B7BA-9E3F-4A7F-A6B2-175E44FBF610}"/>
+              </a:ext>
+            </a:extLst>
+          </p:cNvPr>
+          <p:cNvPicPr>
+            <a:picLocks noChangeAspect="1"/>
+          </p:cNvPicPr>
+          <p:nvPr/>
+        </p:nvPicPr>
+        <p:blipFill>
+          <a:blip r:embed="rId5">
+            <a:extLst>
+              <a:ext uri="{28A0092B-C50C-407E-A947-70E740481C1C}">
+                <a14:useLocalDpi xmlns:a14="http://schemas.microsoft.com/office/drawing/2010/main" val="0"/>
+              </a:ext>
+            </a:extLst>
+          </a:blip>
+          <a:stretch>
+            <a:fillRect/>
+          </a:stretch>
+        </p:blipFill>
+        <p:spPr>
+          <a:xfrm>
+            <a:off x="6274745" y="3636393"/>
+            <a:ext cx="5917255" cy="2949196"/>
+          </a:xfrm>
+          <a:prstGeom prst="rect">
+            <a:avLst/>
+          </a:prstGeom>
+        </p:spPr>
+      </p:pic>
     </p:spTree>
     <p:extLst>
       <p:ext uri="{BB962C8B-B14F-4D97-AF65-F5344CB8AC3E}">
@@ -4083,6 +4232,42 @@
           <a:xfrm>
             <a:off x="42782" y="218940"/>
             <a:ext cx="6340389" cy="2941575"/>
+          </a:xfrm>
+          <a:prstGeom prst="rect">
+            <a:avLst/>
+          </a:prstGeom>
+        </p:spPr>
+      </p:pic>
+      <p:pic>
+        <p:nvPicPr>
+          <p:cNvPr id="3" name="Picture 2">
+            <a:extLst>
+              <a:ext uri="{FF2B5EF4-FFF2-40B4-BE49-F238E27FC236}">
+                <a16:creationId xmlns:a16="http://schemas.microsoft.com/office/drawing/2014/main" id="{5F887329-D4B2-409E-AAE2-77483AF05C7E}"/>
+              </a:ext>
+            </a:extLst>
+          </p:cNvPr>
+          <p:cNvPicPr>
+            <a:picLocks noChangeAspect="1"/>
+          </p:cNvPicPr>
+          <p:nvPr/>
+        </p:nvPicPr>
+        <p:blipFill>
+          <a:blip r:embed="rId5">
+            <a:extLst>
+              <a:ext uri="{28A0092B-C50C-407E-A947-70E740481C1C}">
+                <a14:useLocalDpi xmlns:a14="http://schemas.microsoft.com/office/drawing/2010/main" val="0"/>
+              </a:ext>
+            </a:extLst>
+          </a:blip>
+          <a:stretch>
+            <a:fillRect/>
+          </a:stretch>
+        </p:blipFill>
+        <p:spPr>
+          <a:xfrm>
+            <a:off x="6383171" y="3847839"/>
+            <a:ext cx="5654858" cy="2903472"/>
           </a:xfrm>
           <a:prstGeom prst="rect">
             <a:avLst/>
@@ -4226,6 +4411,42 @@
           </a:prstGeom>
         </p:spPr>
       </p:pic>
+      <p:pic>
+        <p:nvPicPr>
+          <p:cNvPr id="3" name="Picture 2">
+            <a:extLst>
+              <a:ext uri="{FF2B5EF4-FFF2-40B4-BE49-F238E27FC236}">
+                <a16:creationId xmlns:a16="http://schemas.microsoft.com/office/drawing/2014/main" id="{237A817D-F702-4167-B37E-D496569440B5}"/>
+              </a:ext>
+            </a:extLst>
+          </p:cNvPr>
+          <p:cNvPicPr>
+            <a:picLocks noChangeAspect="1"/>
+          </p:cNvPicPr>
+          <p:nvPr/>
+        </p:nvPicPr>
+        <p:blipFill>
+          <a:blip r:embed="rId5">
+            <a:extLst>
+              <a:ext uri="{28A0092B-C50C-407E-A947-70E740481C1C}">
+                <a14:useLocalDpi xmlns:a14="http://schemas.microsoft.com/office/drawing/2010/main" val="0"/>
+              </a:ext>
+            </a:extLst>
+          </a:blip>
+          <a:stretch>
+            <a:fillRect/>
+          </a:stretch>
+        </p:blipFill>
+        <p:spPr>
+          <a:xfrm>
+            <a:off x="6438667" y="3431007"/>
+            <a:ext cx="5753333" cy="2933954"/>
+          </a:xfrm>
+          <a:prstGeom prst="rect">
+            <a:avLst/>
+          </a:prstGeom>
+        </p:spPr>
+      </p:pic>
     </p:spTree>
     <p:extLst>
       <p:ext uri="{BB962C8B-B14F-4D97-AF65-F5344CB8AC3E}">
@@ -4357,6 +4578,42 @@
           <a:xfrm>
             <a:off x="135422" y="88241"/>
             <a:ext cx="6393734" cy="2926334"/>
+          </a:xfrm>
+          <a:prstGeom prst="rect">
+            <a:avLst/>
+          </a:prstGeom>
+        </p:spPr>
+      </p:pic>
+      <p:pic>
+        <p:nvPicPr>
+          <p:cNvPr id="3" name="Picture 2">
+            <a:extLst>
+              <a:ext uri="{FF2B5EF4-FFF2-40B4-BE49-F238E27FC236}">
+                <a16:creationId xmlns:a16="http://schemas.microsoft.com/office/drawing/2014/main" id="{8E07E576-84E5-4736-8338-F04BE6FA2BEB}"/>
+              </a:ext>
+            </a:extLst>
+          </p:cNvPr>
+          <p:cNvPicPr>
+            <a:picLocks noChangeAspect="1"/>
+          </p:cNvPicPr>
+          <p:nvPr/>
+        </p:nvPicPr>
+        <p:blipFill>
+          <a:blip r:embed="rId5">
+            <a:extLst>
+              <a:ext uri="{28A0092B-C50C-407E-A947-70E740481C1C}">
+                <a14:useLocalDpi xmlns:a14="http://schemas.microsoft.com/office/drawing/2010/main" val="0"/>
+              </a:ext>
+            </a:extLst>
+          </a:blip>
+          <a:stretch>
+            <a:fillRect/>
+          </a:stretch>
+        </p:blipFill>
+        <p:spPr>
+          <a:xfrm>
+            <a:off x="6529157" y="3429000"/>
+            <a:ext cx="5662844" cy="2926334"/>
           </a:xfrm>
           <a:prstGeom prst="rect">
             <a:avLst/>
@@ -4494,6 +4751,42 @@
           <a:xfrm>
             <a:off x="45894" y="0"/>
             <a:ext cx="6348010" cy="2964437"/>
+          </a:xfrm>
+          <a:prstGeom prst="rect">
+            <a:avLst/>
+          </a:prstGeom>
+        </p:spPr>
+      </p:pic>
+      <p:pic>
+        <p:nvPicPr>
+          <p:cNvPr id="3" name="Picture 2">
+            <a:extLst>
+              <a:ext uri="{FF2B5EF4-FFF2-40B4-BE49-F238E27FC236}">
+                <a16:creationId xmlns:a16="http://schemas.microsoft.com/office/drawing/2014/main" id="{857C9A4D-12FF-4CD6-83F6-BF3551A82235}"/>
+              </a:ext>
+            </a:extLst>
+          </p:cNvPr>
+          <p:cNvPicPr>
+            <a:picLocks noChangeAspect="1"/>
+          </p:cNvPicPr>
+          <p:nvPr/>
+        </p:nvPicPr>
+        <p:blipFill>
+          <a:blip r:embed="rId5">
+            <a:extLst>
+              <a:ext uri="{28A0092B-C50C-407E-A947-70E740481C1C}">
+                <a14:useLocalDpi xmlns:a14="http://schemas.microsoft.com/office/drawing/2010/main" val="0"/>
+              </a:ext>
+            </a:extLst>
+          </a:blip>
+          <a:stretch>
+            <a:fillRect/>
+          </a:stretch>
+        </p:blipFill>
+        <p:spPr>
+          <a:xfrm>
+            <a:off x="6393904" y="3429000"/>
+            <a:ext cx="5707875" cy="2972058"/>
           </a:xfrm>
           <a:prstGeom prst="rect">
             <a:avLst/>
